--- a/発表資料.pptx
+++ b/発表資料.pptx
@@ -5,7 +5,7 @@
     <p:sldMasterId id="2147483648" r:id="rId1"/>
   </p:sldMasterIdLst>
   <p:notesMasterIdLst>
-    <p:notesMasterId r:id="rId11"/>
+    <p:notesMasterId r:id="rId13"/>
   </p:notesMasterIdLst>
   <p:sldIdLst>
     <p:sldId id="256" r:id="rId2"/>
@@ -17,6 +17,8 @@
     <p:sldId id="265" r:id="rId8"/>
     <p:sldId id="267" r:id="rId9"/>
     <p:sldId id="269" r:id="rId10"/>
+    <p:sldId id="270" r:id="rId11"/>
+    <p:sldId id="271" r:id="rId12"/>
   </p:sldIdLst>
   <p:sldSz cx="12192000" cy="6858000"/>
   <p:notesSz cx="6858000" cy="9144000"/>
@@ -205,7 +207,7 @@
           <a:p>
             <a:fld id="{06BA2E3C-7E30-594E-913B-F5233886DC57}" type="datetimeFigureOut">
               <a:rPr kumimoji="1" lang="ja-JP" altLang="en-US" smtClean="0"/>
-              <a:t>2022/7/25</a:t>
+              <a:t>2022/7/29</a:t>
             </a:fld>
             <a:endParaRPr kumimoji="1" lang="ja-JP" altLang="en-US"/>
           </a:p>
@@ -1350,7 +1352,7 @@
           <a:p>
             <a:fld id="{C6F74209-683E-1C4A-9906-5CF98FCFB074}" type="datetime1">
               <a:rPr kumimoji="1" lang="ja-JP" altLang="en-US" smtClean="0"/>
-              <a:t>2022/7/25</a:t>
+              <a:t>2022/7/29</a:t>
             </a:fld>
             <a:endParaRPr kumimoji="1" lang="ja-JP" altLang="en-US"/>
           </a:p>
@@ -1580,7 +1582,7 @@
           <a:p>
             <a:fld id="{F31660F1-9D17-764A-999F-DFD062513738}" type="datetime1">
               <a:rPr kumimoji="1" lang="ja-JP" altLang="en-US" smtClean="0"/>
-              <a:t>2022/7/25</a:t>
+              <a:t>2022/7/29</a:t>
             </a:fld>
             <a:endParaRPr kumimoji="1" lang="ja-JP" altLang="en-US"/>
           </a:p>
@@ -1820,7 +1822,7 @@
           <a:p>
             <a:fld id="{91A6EADA-9C7D-B740-ACE1-A4207406E532}" type="datetime1">
               <a:rPr kumimoji="1" lang="ja-JP" altLang="en-US" smtClean="0"/>
-              <a:t>2022/7/25</a:t>
+              <a:t>2022/7/29</a:t>
             </a:fld>
             <a:endParaRPr kumimoji="1" lang="ja-JP" altLang="en-US"/>
           </a:p>
@@ -2083,7 +2085,7 @@
           <a:p>
             <a:fld id="{4EC830C3-7BEC-F743-B260-65162C2BE63E}" type="datetime1">
               <a:rPr kumimoji="1" lang="ja-JP" altLang="en-US" smtClean="0"/>
-              <a:t>2022/7/25</a:t>
+              <a:t>2022/7/29</a:t>
             </a:fld>
             <a:endParaRPr kumimoji="1" lang="ja-JP" altLang="en-US"/>
           </a:p>
@@ -2419,7 +2421,7 @@
           <a:p>
             <a:fld id="{29F2D40C-6938-EE4B-9CB0-DFD4EB1741F6}" type="datetime1">
               <a:rPr kumimoji="1" lang="ja-JP" altLang="en-US" smtClean="0"/>
-              <a:t>2022/7/25</a:t>
+              <a:t>2022/7/29</a:t>
             </a:fld>
             <a:endParaRPr kumimoji="1" lang="ja-JP" altLang="en-US"/>
           </a:p>
@@ -2748,7 +2750,7 @@
           <a:p>
             <a:fld id="{B95B9D3D-F411-B746-A1E2-8FAD6CE6B7F2}" type="datetime1">
               <a:rPr kumimoji="1" lang="ja-JP" altLang="en-US" smtClean="0"/>
-              <a:t>2022/7/25</a:t>
+              <a:t>2022/7/29</a:t>
             </a:fld>
             <a:endParaRPr kumimoji="1" lang="ja-JP" altLang="en-US"/>
           </a:p>
@@ -3224,7 +3226,7 @@
           <a:p>
             <a:fld id="{2A11192A-DF75-124E-B617-3EB0935B0ED4}" type="datetime1">
               <a:rPr kumimoji="1" lang="ja-JP" altLang="en-US" smtClean="0"/>
-              <a:t>2022/7/25</a:t>
+              <a:t>2022/7/29</a:t>
             </a:fld>
             <a:endParaRPr kumimoji="1" lang="ja-JP" altLang="en-US"/>
           </a:p>
@@ -3365,7 +3367,7 @@
           <a:p>
             <a:fld id="{9C561475-83FA-8E4C-A913-A614E4D4AC18}" type="datetime1">
               <a:rPr kumimoji="1" lang="ja-JP" altLang="en-US" smtClean="0"/>
-              <a:t>2022/7/25</a:t>
+              <a:t>2022/7/29</a:t>
             </a:fld>
             <a:endParaRPr kumimoji="1" lang="ja-JP" altLang="en-US"/>
           </a:p>
@@ -3478,7 +3480,7 @@
           <a:p>
             <a:fld id="{D68728BF-EFA4-9F4E-AA77-0F662A6EC7BB}" type="datetime1">
               <a:rPr kumimoji="1" lang="ja-JP" altLang="en-US" smtClean="0"/>
-              <a:t>2022/7/25</a:t>
+              <a:t>2022/7/29</a:t>
             </a:fld>
             <a:endParaRPr kumimoji="1" lang="ja-JP" altLang="en-US"/>
           </a:p>
@@ -3821,7 +3823,7 @@
           <a:p>
             <a:fld id="{8B1AA3A5-A6E5-E940-A7B8-8500968C7E34}" type="datetime1">
               <a:rPr kumimoji="1" lang="ja-JP" altLang="en-US" smtClean="0"/>
-              <a:t>2022/7/25</a:t>
+              <a:t>2022/7/29</a:t>
             </a:fld>
             <a:endParaRPr kumimoji="1" lang="ja-JP" altLang="en-US"/>
           </a:p>
@@ -4109,7 +4111,7 @@
           <a:p>
             <a:fld id="{7D5E6D3F-8855-F043-B2D6-DF81DE8BC2DA}" type="datetime1">
               <a:rPr kumimoji="1" lang="ja-JP" altLang="en-US" smtClean="0"/>
-              <a:t>2022/7/25</a:t>
+              <a:t>2022/7/29</a:t>
             </a:fld>
             <a:endParaRPr kumimoji="1" lang="ja-JP" altLang="en-US"/>
           </a:p>
@@ -4387,7 +4389,7 @@
           <a:p>
             <a:fld id="{82A81477-B23F-2B4D-A63E-C448B3E81651}" type="datetime1">
               <a:rPr kumimoji="1" lang="ja-JP" altLang="en-US" smtClean="0"/>
-              <a:t>2022/7/25</a:t>
+              <a:t>2022/7/29</a:t>
             </a:fld>
             <a:endParaRPr kumimoji="1" lang="ja-JP" altLang="en-US"/>
           </a:p>
@@ -4942,6 +4944,245 @@
 </p:sld>
 </file>
 
+<file path=ppt/slides/slide10.xml><?xml version="1.0" encoding="utf-8"?>
+<p:sld xmlns:a="http://schemas.openxmlformats.org/drawingml/2006/main" xmlns:r="http://schemas.openxmlformats.org/officeDocument/2006/relationships" xmlns:p="http://schemas.openxmlformats.org/presentationml/2006/main">
+  <p:cSld>
+    <p:spTree>
+      <p:nvGrpSpPr>
+        <p:cNvPr id="1" name=""/>
+        <p:cNvGrpSpPr/>
+        <p:nvPr/>
+      </p:nvGrpSpPr>
+      <p:grpSpPr>
+        <a:xfrm>
+          <a:off x="0" y="0"/>
+          <a:ext cx="0" cy="0"/>
+          <a:chOff x="0" y="0"/>
+          <a:chExt cx="0" cy="0"/>
+        </a:xfrm>
+      </p:grpSpPr>
+      <p:sp>
+        <p:nvSpPr>
+          <p:cNvPr id="2" name="タイトル 1">
+            <a:extLst>
+              <a:ext uri="{FF2B5EF4-FFF2-40B4-BE49-F238E27FC236}">
+                <a16:creationId xmlns:a16="http://schemas.microsoft.com/office/drawing/2014/main" id="{4EE8D471-FED0-FF3A-CB06-880002A35F22}"/>
+              </a:ext>
+            </a:extLst>
+          </p:cNvPr>
+          <p:cNvSpPr>
+            <a:spLocks noGrp="1"/>
+          </p:cNvSpPr>
+          <p:nvPr>
+            <p:ph type="title"/>
+          </p:nvPr>
+        </p:nvSpPr>
+        <p:spPr/>
+        <p:txBody>
+          <a:bodyPr>
+            <a:normAutofit fontScale="90000"/>
+          </a:bodyPr>
+          <a:lstStyle/>
+          <a:p>
+            <a:r>
+              <a:rPr lang="ja-JP" altLang="en-US"/>
+              <a:t>外出時の持ち物を取得</a:t>
+            </a:r>
+            <a:endParaRPr kumimoji="1" lang="ja-JP" altLang="en-US"/>
+          </a:p>
+        </p:txBody>
+      </p:sp>
+      <p:sp>
+        <p:nvSpPr>
+          <p:cNvPr id="3" name="コンテンツ プレースホルダー 2">
+            <a:extLst>
+              <a:ext uri="{FF2B5EF4-FFF2-40B4-BE49-F238E27FC236}">
+                <a16:creationId xmlns:a16="http://schemas.microsoft.com/office/drawing/2014/main" id="{E4E6CD85-7BEE-8C8D-4AD4-11C9A70337E5}"/>
+              </a:ext>
+            </a:extLst>
+          </p:cNvPr>
+          <p:cNvSpPr>
+            <a:spLocks noGrp="1"/>
+          </p:cNvSpPr>
+          <p:nvPr>
+            <p:ph idx="1"/>
+          </p:nvPr>
+        </p:nvSpPr>
+        <p:spPr/>
+        <p:txBody>
+          <a:bodyPr/>
+          <a:lstStyle/>
+          <a:p>
+            <a:pPr marL="0" indent="0">
+              <a:buNone/>
+            </a:pPr>
+            <a:endParaRPr lang="en-US" altLang="ja-JP" dirty="0"/>
+          </a:p>
+          <a:p>
+            <a:pPr marL="0" indent="0">
+              <a:buNone/>
+            </a:pPr>
+            <a:r>
+              <a:rPr lang="ja-JP" altLang="en-US"/>
+              <a:t>ビーコンの電波強度をセンシング</a:t>
+            </a:r>
+            <a:endParaRPr lang="en-US" altLang="ja-JP" dirty="0"/>
+          </a:p>
+        </p:txBody>
+      </p:sp>
+      <p:sp>
+        <p:nvSpPr>
+          <p:cNvPr id="4" name="スライド番号プレースホルダー 3">
+            <a:extLst>
+              <a:ext uri="{FF2B5EF4-FFF2-40B4-BE49-F238E27FC236}">
+                <a16:creationId xmlns:a16="http://schemas.microsoft.com/office/drawing/2014/main" id="{D5704749-4167-1CEF-22DA-F30EDBBCA088}"/>
+              </a:ext>
+            </a:extLst>
+          </p:cNvPr>
+          <p:cNvSpPr>
+            <a:spLocks noGrp="1"/>
+          </p:cNvSpPr>
+          <p:nvPr>
+            <p:ph type="sldNum" sz="quarter" idx="12"/>
+          </p:nvPr>
+        </p:nvSpPr>
+        <p:spPr/>
+        <p:txBody>
+          <a:bodyPr/>
+          <a:lstStyle/>
+          <a:p>
+            <a:fld id="{60970649-4A66-3B49-A20D-0F8470FEFA9C}" type="slidenum">
+              <a:rPr lang="en-US" altLang="ja-JP" smtClean="0"/>
+              <a:pPr/>
+              <a:t>9</a:t>
+            </a:fld>
+            <a:endParaRPr lang="en-US" altLang="ja-JP" dirty="0"/>
+          </a:p>
+        </p:txBody>
+      </p:sp>
+    </p:spTree>
+    <p:extLst>
+      <p:ext uri="{BB962C8B-B14F-4D97-AF65-F5344CB8AC3E}">
+        <p14:creationId xmlns:p14="http://schemas.microsoft.com/office/powerpoint/2010/main" val="1964929938"/>
+      </p:ext>
+    </p:extLst>
+  </p:cSld>
+  <p:clrMapOvr>
+    <a:masterClrMapping/>
+  </p:clrMapOvr>
+</p:sld>
+</file>
+
+<file path=ppt/slides/slide11.xml><?xml version="1.0" encoding="utf-8"?>
+<p:sld xmlns:a="http://schemas.openxmlformats.org/drawingml/2006/main" xmlns:r="http://schemas.openxmlformats.org/officeDocument/2006/relationships" xmlns:p="http://schemas.openxmlformats.org/presentationml/2006/main">
+  <p:cSld>
+    <p:spTree>
+      <p:nvGrpSpPr>
+        <p:cNvPr id="1" name=""/>
+        <p:cNvGrpSpPr/>
+        <p:nvPr/>
+      </p:nvGrpSpPr>
+      <p:grpSpPr>
+        <a:xfrm>
+          <a:off x="0" y="0"/>
+          <a:ext cx="0" cy="0"/>
+          <a:chOff x="0" y="0"/>
+          <a:chExt cx="0" cy="0"/>
+        </a:xfrm>
+      </p:grpSpPr>
+      <p:sp>
+        <p:nvSpPr>
+          <p:cNvPr id="2" name="タイトル 1">
+            <a:extLst>
+              <a:ext uri="{FF2B5EF4-FFF2-40B4-BE49-F238E27FC236}">
+                <a16:creationId xmlns:a16="http://schemas.microsoft.com/office/drawing/2014/main" id="{AACC2020-1D73-B037-F75E-A6D6D1C43E3A}"/>
+              </a:ext>
+            </a:extLst>
+          </p:cNvPr>
+          <p:cNvSpPr>
+            <a:spLocks noGrp="1"/>
+          </p:cNvSpPr>
+          <p:nvPr>
+            <p:ph type="title"/>
+          </p:nvPr>
+        </p:nvSpPr>
+        <p:spPr/>
+        <p:txBody>
+          <a:bodyPr/>
+          <a:lstStyle/>
+          <a:p>
+            <a:endParaRPr kumimoji="1" lang="ja-JP" altLang="en-US"/>
+          </a:p>
+        </p:txBody>
+      </p:sp>
+      <p:sp>
+        <p:nvSpPr>
+          <p:cNvPr id="3" name="コンテンツ プレースホルダー 2">
+            <a:extLst>
+              <a:ext uri="{FF2B5EF4-FFF2-40B4-BE49-F238E27FC236}">
+                <a16:creationId xmlns:a16="http://schemas.microsoft.com/office/drawing/2014/main" id="{8AA3E6FE-0836-2842-EA20-8F27B60093CE}"/>
+              </a:ext>
+            </a:extLst>
+          </p:cNvPr>
+          <p:cNvSpPr>
+            <a:spLocks noGrp="1"/>
+          </p:cNvSpPr>
+          <p:nvPr>
+            <p:ph idx="1"/>
+          </p:nvPr>
+        </p:nvSpPr>
+        <p:spPr/>
+        <p:txBody>
+          <a:bodyPr/>
+          <a:lstStyle/>
+          <a:p>
+            <a:endParaRPr kumimoji="1" lang="ja-JP" altLang="en-US"/>
+          </a:p>
+        </p:txBody>
+      </p:sp>
+      <p:sp>
+        <p:nvSpPr>
+          <p:cNvPr id="4" name="スライド番号プレースホルダー 3">
+            <a:extLst>
+              <a:ext uri="{FF2B5EF4-FFF2-40B4-BE49-F238E27FC236}">
+                <a16:creationId xmlns:a16="http://schemas.microsoft.com/office/drawing/2014/main" id="{303E7E4C-C579-0A0B-9FE6-9BC1065F5DCC}"/>
+              </a:ext>
+            </a:extLst>
+          </p:cNvPr>
+          <p:cNvSpPr>
+            <a:spLocks noGrp="1"/>
+          </p:cNvSpPr>
+          <p:nvPr>
+            <p:ph type="sldNum" sz="quarter" idx="12"/>
+          </p:nvPr>
+        </p:nvSpPr>
+        <p:spPr/>
+        <p:txBody>
+          <a:bodyPr/>
+          <a:lstStyle/>
+          <a:p>
+            <a:fld id="{60970649-4A66-3B49-A20D-0F8470FEFA9C}" type="slidenum">
+              <a:rPr lang="en-US" altLang="ja-JP" smtClean="0"/>
+              <a:pPr/>
+              <a:t>10</a:t>
+            </a:fld>
+            <a:endParaRPr lang="en-US" altLang="ja-JP" dirty="0"/>
+          </a:p>
+        </p:txBody>
+      </p:sp>
+    </p:spTree>
+    <p:extLst>
+      <p:ext uri="{BB962C8B-B14F-4D97-AF65-F5344CB8AC3E}">
+        <p14:creationId xmlns:p14="http://schemas.microsoft.com/office/powerpoint/2010/main" val="3470735912"/>
+      </p:ext>
+    </p:extLst>
+  </p:cSld>
+  <p:clrMapOvr>
+    <a:masterClrMapping/>
+  </p:clrMapOvr>
+</p:sld>
+</file>
+
 <file path=ppt/slides/slide2.xml><?xml version="1.0" encoding="utf-8"?>
 <p:sld xmlns:a="http://schemas.openxmlformats.org/drawingml/2006/main" xmlns:r="http://schemas.openxmlformats.org/officeDocument/2006/relationships" xmlns:p="http://schemas.openxmlformats.org/presentationml/2006/main">
   <p:cSld>
@@ -5047,12 +5288,6 @@
             <a:pPr marL="0" indent="0">
               <a:buNone/>
             </a:pPr>
-            <a:endParaRPr lang="en-US" altLang="ja-JP" dirty="0"/>
-          </a:p>
-          <a:p>
-            <a:pPr marL="0" indent="0">
-              <a:buNone/>
-            </a:pPr>
             <a:r>
               <a:rPr lang="ja-JP" altLang="en-US"/>
               <a:t>外出直前に通知するシステムはない</a:t>
@@ -5115,12 +5350,61 @@
           </a:p>
         </p:txBody>
       </p:sp>
+      <p:sp>
+        <p:nvSpPr>
+          <p:cNvPr id="7" name="テキスト ボックス 6">
+            <a:extLst>
+              <a:ext uri="{FF2B5EF4-FFF2-40B4-BE49-F238E27FC236}">
+                <a16:creationId xmlns:a16="http://schemas.microsoft.com/office/drawing/2014/main" id="{8C4D0768-1DDA-82B3-331F-CF55BE99D823}"/>
+              </a:ext>
+            </a:extLst>
+          </p:cNvPr>
+          <p:cNvSpPr txBox="1"/>
+          <p:nvPr/>
+        </p:nvSpPr>
+        <p:spPr>
+          <a:xfrm>
+            <a:off x="5122368" y="6334780"/>
+            <a:ext cx="1280735" cy="523220"/>
+          </a:xfrm>
+          <a:prstGeom prst="rect">
+            <a:avLst/>
+          </a:prstGeom>
+          <a:noFill/>
+        </p:spPr>
+        <p:txBody>
+          <a:bodyPr wrap="none" rtlCol="0">
+            <a:spAutoFit/>
+          </a:bodyPr>
+          <a:lstStyle/>
+          <a:p>
+            <a:r>
+              <a:rPr lang="en-US" altLang="ja-JP" sz="2800" dirty="0">
+                <a:latin typeface="Meiryo" panose="020B0604030504040204" pitchFamily="34" charset="-128"/>
+                <a:ea typeface="Meiryo" panose="020B0604030504040204" pitchFamily="34" charset="-128"/>
+              </a:rPr>
+              <a:t>A</a:t>
+            </a:r>
+            <a:r>
+              <a:rPr kumimoji="1" lang="en-US" altLang="ja-JP" sz="2800" dirty="0">
+                <a:latin typeface="Meiryo" panose="020B0604030504040204" pitchFamily="34" charset="-128"/>
+                <a:ea typeface="Meiryo" panose="020B0604030504040204" pitchFamily="34" charset="-128"/>
+              </a:rPr>
+              <a:t>irTag</a:t>
+            </a:r>
+            <a:endParaRPr kumimoji="1" lang="ja-JP" altLang="en-US" sz="2800">
+              <a:latin typeface="Meiryo" panose="020B0604030504040204" pitchFamily="34" charset="-128"/>
+              <a:ea typeface="Meiryo" panose="020B0604030504040204" pitchFamily="34" charset="-128"/>
+            </a:endParaRPr>
+          </a:p>
+        </p:txBody>
+      </p:sp>
       <p:pic>
         <p:nvPicPr>
-          <p:cNvPr id="6" name="図 5" descr="アイコン&#10;&#10;自動的に生成された説明">
-            <a:extLst>
-              <a:ext uri="{FF2B5EF4-FFF2-40B4-BE49-F238E27FC236}">
-                <a16:creationId xmlns:a16="http://schemas.microsoft.com/office/drawing/2014/main" id="{89E3737D-42FB-0666-F231-A158D0A06F13}"/>
+          <p:cNvPr id="8" name="図 7" descr="電子機器の部品&#10;&#10;低い精度で自動的に生成された説明">
+            <a:extLst>
+              <a:ext uri="{FF2B5EF4-FFF2-40B4-BE49-F238E27FC236}">
+                <a16:creationId xmlns:a16="http://schemas.microsoft.com/office/drawing/2014/main" id="{D5882DDB-2253-A234-1D60-15B38535FACB}"/>
               </a:ext>
             </a:extLst>
           </p:cNvPr>
@@ -5137,8 +5421,8 @@
         </p:blipFill>
         <p:spPr>
           <a:xfrm>
-            <a:off x="8153400" y="2864084"/>
-            <a:ext cx="2814927" cy="2814927"/>
+            <a:off x="561754" y="4157330"/>
+            <a:ext cx="2043223" cy="2043223"/>
           </a:xfrm>
           <a:prstGeom prst="rect">
             <a:avLst/>
@@ -5147,10 +5431,10 @@
       </p:pic>
       <p:sp>
         <p:nvSpPr>
-          <p:cNvPr id="7" name="テキスト ボックス 6">
-            <a:extLst>
-              <a:ext uri="{FF2B5EF4-FFF2-40B4-BE49-F238E27FC236}">
-                <a16:creationId xmlns:a16="http://schemas.microsoft.com/office/drawing/2014/main" id="{8C4D0768-1DDA-82B3-331F-CF55BE99D823}"/>
+          <p:cNvPr id="9" name="テキスト ボックス 8">
+            <a:extLst>
+              <a:ext uri="{FF2B5EF4-FFF2-40B4-BE49-F238E27FC236}">
+                <a16:creationId xmlns:a16="http://schemas.microsoft.com/office/drawing/2014/main" id="{F56BD2C9-A90F-EB00-BA66-B1C593AD18A6}"/>
               </a:ext>
             </a:extLst>
           </p:cNvPr>
@@ -5159,8 +5443,8 @@
         </p:nvSpPr>
         <p:spPr>
           <a:xfrm>
-            <a:off x="8920495" y="5679011"/>
-            <a:ext cx="1280735" cy="523220"/>
+            <a:off x="602166" y="6334779"/>
+            <a:ext cx="1962397" cy="523220"/>
           </a:xfrm>
           <a:prstGeom prst="rect">
             <a:avLst/>
@@ -5174,18 +5458,113 @@
           <a:lstStyle/>
           <a:p>
             <a:r>
-              <a:rPr lang="en-US" altLang="ja-JP" sz="2800" dirty="0">
-                <a:latin typeface="Meiryo" panose="020B0604030504040204" pitchFamily="34" charset="-128"/>
-                <a:ea typeface="Meiryo" panose="020B0604030504040204" pitchFamily="34" charset="-128"/>
-              </a:rPr>
-              <a:t>A</a:t>
-            </a:r>
-            <a:r>
               <a:rPr kumimoji="1" lang="en-US" altLang="ja-JP" sz="2800" dirty="0">
                 <a:latin typeface="Meiryo" panose="020B0604030504040204" pitchFamily="34" charset="-128"/>
                 <a:ea typeface="Meiryo" panose="020B0604030504040204" pitchFamily="34" charset="-128"/>
               </a:rPr>
-              <a:t>irTag</a:t>
+              <a:t>MAMORIO</a:t>
+            </a:r>
+            <a:endParaRPr kumimoji="1" lang="ja-JP" altLang="en-US" sz="2800">
+              <a:latin typeface="Meiryo" panose="020B0604030504040204" pitchFamily="34" charset="-128"/>
+              <a:ea typeface="Meiryo" panose="020B0604030504040204" pitchFamily="34" charset="-128"/>
+            </a:endParaRPr>
+          </a:p>
+        </p:txBody>
+      </p:sp>
+      <p:pic>
+        <p:nvPicPr>
+          <p:cNvPr id="11" name="図 10" descr="時計と文字の加工写真&#10;&#10;低い精度で自動的に生成された説明">
+            <a:extLst>
+              <a:ext uri="{FF2B5EF4-FFF2-40B4-BE49-F238E27FC236}">
+                <a16:creationId xmlns:a16="http://schemas.microsoft.com/office/drawing/2014/main" id="{B3871AB5-5A11-05FB-F0B6-BB520435905A}"/>
+              </a:ext>
+            </a:extLst>
+          </p:cNvPr>
+          <p:cNvPicPr>
+            <a:picLocks noChangeAspect="1"/>
+          </p:cNvPicPr>
+          <p:nvPr/>
+        </p:nvPicPr>
+        <p:blipFill>
+          <a:blip r:embed="rId4"/>
+          <a:stretch>
+            <a:fillRect/>
+          </a:stretch>
+        </p:blipFill>
+        <p:spPr>
+          <a:xfrm>
+            <a:off x="4741124" y="4157330"/>
+            <a:ext cx="2043222" cy="2043222"/>
+          </a:xfrm>
+          <a:prstGeom prst="rect">
+            <a:avLst/>
+          </a:prstGeom>
+        </p:spPr>
+      </p:pic>
+      <p:pic>
+        <p:nvPicPr>
+          <p:cNvPr id="13" name="図 12" descr="ipod, 電子機器 が含まれている画像&#10;&#10;自動的に生成された説明">
+            <a:extLst>
+              <a:ext uri="{FF2B5EF4-FFF2-40B4-BE49-F238E27FC236}">
+                <a16:creationId xmlns:a16="http://schemas.microsoft.com/office/drawing/2014/main" id="{823F2D6E-F430-7141-DEAF-8DCAB4FD25FF}"/>
+              </a:ext>
+            </a:extLst>
+          </p:cNvPr>
+          <p:cNvPicPr>
+            <a:picLocks noChangeAspect="1"/>
+          </p:cNvPicPr>
+          <p:nvPr/>
+        </p:nvPicPr>
+        <p:blipFill>
+          <a:blip r:embed="rId5"/>
+          <a:stretch>
+            <a:fillRect/>
+          </a:stretch>
+        </p:blipFill>
+        <p:spPr>
+          <a:xfrm>
+            <a:off x="8920493" y="4157562"/>
+            <a:ext cx="2074124" cy="2074124"/>
+          </a:xfrm>
+          <a:prstGeom prst="rect">
+            <a:avLst/>
+          </a:prstGeom>
+        </p:spPr>
+      </p:pic>
+      <p:sp>
+        <p:nvSpPr>
+          <p:cNvPr id="14" name="テキスト ボックス 13">
+            <a:extLst>
+              <a:ext uri="{FF2B5EF4-FFF2-40B4-BE49-F238E27FC236}">
+                <a16:creationId xmlns:a16="http://schemas.microsoft.com/office/drawing/2014/main" id="{931B9A6D-CBBE-4640-5059-686808156CDB}"/>
+              </a:ext>
+            </a:extLst>
+          </p:cNvPr>
+          <p:cNvSpPr txBox="1"/>
+          <p:nvPr/>
+        </p:nvSpPr>
+        <p:spPr>
+          <a:xfrm>
+            <a:off x="9602329" y="6261358"/>
+            <a:ext cx="710451" cy="523220"/>
+          </a:xfrm>
+          <a:prstGeom prst="rect">
+            <a:avLst/>
+          </a:prstGeom>
+          <a:noFill/>
+        </p:spPr>
+        <p:txBody>
+          <a:bodyPr wrap="none" rtlCol="0">
+            <a:spAutoFit/>
+          </a:bodyPr>
+          <a:lstStyle/>
+          <a:p>
+            <a:r>
+              <a:rPr kumimoji="1" lang="en-US" altLang="ja-JP" sz="2800" dirty="0">
+                <a:latin typeface="Meiryo" panose="020B0604030504040204" pitchFamily="34" charset="-128"/>
+                <a:ea typeface="Meiryo" panose="020B0604030504040204" pitchFamily="34" charset="-128"/>
+              </a:rPr>
+              <a:t>tile</a:t>
             </a:r>
             <a:endParaRPr kumimoji="1" lang="ja-JP" altLang="en-US" sz="2800">
               <a:latin typeface="Meiryo" panose="020B0604030504040204" pitchFamily="34" charset="-128"/>
@@ -5280,6 +5659,25 @@
             <a:pPr marL="0" indent="0">
               <a:buNone/>
             </a:pPr>
+            <a:r>
+              <a:rPr lang="en-US" altLang="ja-JP" b="1" dirty="0"/>
+              <a:t> </a:t>
+            </a:r>
+          </a:p>
+          <a:p>
+            <a:pPr marL="0" indent="0">
+              <a:buNone/>
+            </a:pPr>
+            <a:r>
+              <a:rPr lang="ja-JP" altLang="en-US" b="1"/>
+              <a:t>小型デバイスを用いた忘れ物の通知機能</a:t>
+            </a:r>
+            <a:endParaRPr lang="en-US" altLang="ja-JP" b="1" dirty="0"/>
+          </a:p>
+          <a:p>
+            <a:pPr marL="0" indent="0">
+              <a:buNone/>
+            </a:pPr>
             <a:endParaRPr lang="en-US" altLang="ja-JP" b="1" dirty="0"/>
           </a:p>
           <a:p>
@@ -5304,18 +5702,6 @@
               <a:rPr lang="ja-JP" altLang="en-US" baseline="30000"/>
               <a:t>１</a:t>
             </a:r>
-            <a:endParaRPr lang="en-US" altLang="ja-JP" b="1" baseline="30000" dirty="0"/>
-          </a:p>
-          <a:p>
-            <a:pPr marL="0" indent="0">
-              <a:buNone/>
-            </a:pPr>
-            <a:endParaRPr lang="en-US" altLang="ja-JP" sz="2400" dirty="0"/>
-          </a:p>
-          <a:p>
-            <a:pPr marL="0" indent="0">
-              <a:buNone/>
-            </a:pPr>
             <a:endParaRPr kumimoji="1" lang="en-US" altLang="ja-JP" sz="1400" dirty="0"/>
           </a:p>
           <a:p>
@@ -5908,7 +6294,7 @@
           </p:nvPr>
         </p:nvPicPr>
         <p:blipFill>
-          <a:blip r:embed="rId3"/>
+          <a:blip/>
           <a:stretch>
             <a:fillRect/>
           </a:stretch>
@@ -5935,7 +6321,7 @@
           <p:nvPr/>
         </p:nvPicPr>
         <p:blipFill>
-          <a:blip r:embed="rId4">
+          <a:blip>
             <a:alphaModFix amt="20000"/>
           </a:blip>
           <a:stretch>
@@ -5987,7 +6373,7 @@
             <p:nvPr/>
           </p:nvPicPr>
           <p:blipFill>
-            <a:blip r:embed="rId5">
+            <a:blip>
               <a:alphaModFix/>
             </a:blip>
             <a:stretch>
@@ -6019,7 +6405,7 @@
             <p:nvPr/>
           </p:nvPicPr>
           <p:blipFill>
-            <a:blip r:embed="rId6"/>
+            <a:blip/>
             <a:stretch>
               <a:fillRect/>
             </a:stretch>
@@ -6049,7 +6435,7 @@
             <p:nvPr/>
           </p:nvPicPr>
           <p:blipFill>
-            <a:blip r:embed="rId7"/>
+            <a:blip/>
             <a:stretch>
               <a:fillRect/>
             </a:stretch>
@@ -6080,7 +6466,7 @@
           <p:nvPr/>
         </p:nvPicPr>
         <p:blipFill>
-          <a:blip r:embed="rId8"/>
+          <a:blip/>
           <a:stretch>
             <a:fillRect/>
           </a:stretch>
@@ -6110,7 +6496,7 @@
           <p:nvPr/>
         </p:nvPicPr>
         <p:blipFill>
-          <a:blip r:embed="rId9">
+          <a:blip>
             <a:alphaModFix amt="20000"/>
           </a:blip>
           <a:stretch>
@@ -6200,7 +6586,7 @@
           <p:nvPr/>
         </p:nvPicPr>
         <p:blipFill>
-          <a:blip r:embed="rId6">
+          <a:blip>
             <a:alphaModFix amt="20000"/>
           </a:blip>
           <a:stretch>
@@ -6232,7 +6618,7 @@
           <p:nvPr/>
         </p:nvPicPr>
         <p:blipFill>
-          <a:blip r:embed="rId10">
+          <a:blip>
             <a:duotone>
               <a:schemeClr val="accent2">
                 <a:shade val="45000"/>
@@ -6271,7 +6657,7 @@
           <p:nvPr/>
         </p:nvPicPr>
         <p:blipFill>
-          <a:blip r:embed="rId8">
+          <a:blip>
             <a:alphaModFix amt="20000"/>
           </a:blip>
           <a:stretch>
@@ -6492,7 +6878,7 @@
           </p:nvPr>
         </p:nvPicPr>
         <p:blipFill>
-          <a:blip r:embed="rId2">
+          <a:blip>
             <a:alphaModFix amt="20000"/>
           </a:blip>
           <a:stretch>
@@ -6521,7 +6907,7 @@
           <p:nvPr/>
         </p:nvPicPr>
         <p:blipFill>
-          <a:blip r:embed="rId3">
+          <a:blip>
             <a:alphaModFix amt="20000"/>
           </a:blip>
           <a:stretch>
@@ -6553,7 +6939,7 @@
           <p:nvPr/>
         </p:nvPicPr>
         <p:blipFill>
-          <a:blip r:embed="rId4">
+          <a:blip>
             <a:alphaModFix amt="20000"/>
           </a:blip>
           <a:stretch>
@@ -6585,7 +6971,7 @@
           <p:nvPr/>
         </p:nvPicPr>
         <p:blipFill>
-          <a:blip r:embed="rId5">
+          <a:blip>
             <a:alphaModFix amt="20000"/>
           </a:blip>
           <a:stretch>
@@ -6617,7 +7003,7 @@
           <p:nvPr/>
         </p:nvPicPr>
         <p:blipFill>
-          <a:blip r:embed="rId6">
+          <a:blip>
             <a:alphaModFix amt="20000"/>
           </a:blip>
           <a:stretch>
@@ -6649,7 +7035,7 @@
           <p:nvPr/>
         </p:nvPicPr>
         <p:blipFill>
-          <a:blip r:embed="rId7"/>
+          <a:blip/>
           <a:stretch>
             <a:fillRect/>
           </a:stretch>
@@ -6779,7 +7165,7 @@
           <p:nvPr/>
         </p:nvPicPr>
         <p:blipFill>
-          <a:blip r:embed="rId8">
+          <a:blip>
             <a:alphaModFix amt="20000"/>
           </a:blip>
           <a:stretch>
@@ -6869,7 +7255,7 @@
           <p:nvPr/>
         </p:nvPicPr>
         <p:blipFill>
-          <a:blip r:embed="rId4">
+          <a:blip>
             <a:alphaModFix amt="20000"/>
           </a:blip>
           <a:stretch>
@@ -6901,7 +7287,7 @@
           <p:nvPr/>
         </p:nvPicPr>
         <p:blipFill>
-          <a:blip r:embed="rId9">
+          <a:blip>
             <a:duotone>
               <a:schemeClr val="accent2">
                 <a:shade val="45000"/>
@@ -6940,7 +7326,7 @@
           <p:nvPr/>
         </p:nvPicPr>
         <p:blipFill>
-          <a:blip r:embed="rId6">
+          <a:blip>
             <a:alphaModFix amt="20000"/>
           </a:blip>
           <a:stretch>
@@ -7062,7 +7448,7 @@
           <p:nvPr/>
         </p:nvPicPr>
         <p:blipFill>
-          <a:blip r:embed="rId3"/>
+          <a:blip/>
           <a:stretch>
             <a:fillRect/>
           </a:stretch>
@@ -7092,7 +7478,7 @@
           <p:nvPr/>
         </p:nvPicPr>
         <p:blipFill>
-          <a:blip r:embed="rId4">
+          <a:blip>
             <a:alphaModFix amt="20000"/>
           </a:blip>
           <a:stretch>
@@ -7183,7 +7569,7 @@
           <p:nvPr/>
         </p:nvPicPr>
         <p:blipFill>
-          <a:blip r:embed="rId5"/>
+          <a:blip/>
           <a:stretch>
             <a:fillRect/>
           </a:stretch>
@@ -7213,7 +7599,7 @@
           <p:nvPr/>
         </p:nvPicPr>
         <p:blipFill>
-          <a:blip r:embed="rId6">
+          <a:blip>
             <a:duotone>
               <a:schemeClr val="accent2">
                 <a:shade val="45000"/>
@@ -7251,7 +7637,7 @@
           <p:nvPr/>
         </p:nvPicPr>
         <p:blipFill>
-          <a:blip r:embed="rId7"/>
+          <a:blip/>
           <a:stretch>
             <a:fillRect/>
           </a:stretch>
@@ -7374,7 +7760,7 @@
           <p:nvPr/>
         </p:nvPicPr>
         <p:blipFill>
-          <a:blip r:embed="rId8">
+          <a:blip>
             <a:alphaModFix amt="20000"/>
           </a:blip>
           <a:stretch>
@@ -7406,7 +7792,7 @@
           <p:nvPr/>
         </p:nvPicPr>
         <p:blipFill>
-          <a:blip r:embed="rId9">
+          <a:blip>
             <a:alphaModFix amt="20000"/>
           </a:blip>
           <a:stretch>
@@ -7438,7 +7824,7 @@
           <p:nvPr/>
         </p:nvPicPr>
         <p:blipFill>
-          <a:blip r:embed="rId5">
+          <a:blip>
             <a:alphaModFix amt="20000"/>
           </a:blip>
           <a:stretch>
@@ -7470,7 +7856,7 @@
           <p:nvPr/>
         </p:nvPicPr>
         <p:blipFill>
-          <a:blip r:embed="rId10">
+          <a:blip>
             <a:alphaModFix amt="20000"/>
           </a:blip>
           <a:stretch>
@@ -7502,7 +7888,7 @@
           <p:nvPr/>
         </p:nvPicPr>
         <p:blipFill>
-          <a:blip r:embed="rId7">
+          <a:blip>
             <a:alphaModFix amt="20000"/>
           </a:blip>
           <a:stretch>
@@ -7609,6 +7995,52 @@
       </p:grpSpPr>
       <p:sp>
         <p:nvSpPr>
+          <p:cNvPr id="5" name="下矢印 4">
+            <a:extLst>
+              <a:ext uri="{FF2B5EF4-FFF2-40B4-BE49-F238E27FC236}">
+                <a16:creationId xmlns:a16="http://schemas.microsoft.com/office/drawing/2014/main" id="{AA724E9C-7094-1EE7-BBCD-E1BA8F54FED6}"/>
+              </a:ext>
+            </a:extLst>
+          </p:cNvPr>
+          <p:cNvSpPr/>
+          <p:nvPr/>
+        </p:nvSpPr>
+        <p:spPr>
+          <a:xfrm>
+            <a:off x="2375338" y="2115065"/>
+            <a:ext cx="588579" cy="3134414"/>
+          </a:xfrm>
+          <a:prstGeom prst="downArrow">
+            <a:avLst/>
+          </a:prstGeom>
+        </p:spPr>
+        <p:style>
+          <a:lnRef idx="2">
+            <a:schemeClr val="accent1">
+              <a:shade val="50000"/>
+            </a:schemeClr>
+          </a:lnRef>
+          <a:fillRef idx="1">
+            <a:schemeClr val="accent1"/>
+          </a:fillRef>
+          <a:effectRef idx="0">
+            <a:schemeClr val="accent1"/>
+          </a:effectRef>
+          <a:fontRef idx="minor">
+            <a:schemeClr val="lt1"/>
+          </a:fontRef>
+        </p:style>
+        <p:txBody>
+          <a:bodyPr rtlCol="0" anchor="ctr"/>
+          <a:lstStyle/>
+          <a:p>
+            <a:pPr algn="ctr"/>
+            <a:endParaRPr kumimoji="1" lang="ja-JP" altLang="en-US"/>
+          </a:p>
+        </p:txBody>
+      </p:sp>
+      <p:sp>
+        <p:nvSpPr>
           <p:cNvPr id="2" name="タイトル 1">
             <a:extLst>
               <a:ext uri="{FF2B5EF4-FFF2-40B4-BE49-F238E27FC236}">
@@ -7630,6 +8062,10 @@
           </a:bodyPr>
           <a:lstStyle/>
           <a:p>
+            <a:r>
+              <a:rPr lang="ja-JP" altLang="en-US"/>
+              <a:t>外出時の持ち物を取得</a:t>
+            </a:r>
             <a:endParaRPr kumimoji="1" lang="ja-JP" altLang="en-US"/>
           </a:p>
         </p:txBody>
@@ -7650,12 +8086,33 @@
             <p:ph idx="1"/>
           </p:nvPr>
         </p:nvSpPr>
-        <p:spPr/>
-        <p:txBody>
-          <a:bodyPr/>
-          <a:lstStyle/>
-          <a:p>
-            <a:endParaRPr kumimoji="1" lang="ja-JP" altLang="en-US"/>
+        <p:spPr>
+          <a:xfrm>
+            <a:off x="834600" y="1530290"/>
+            <a:ext cx="6442500" cy="584775"/>
+          </a:xfrm>
+        </p:spPr>
+        <p:txBody>
+          <a:bodyPr>
+            <a:noAutofit/>
+          </a:bodyPr>
+          <a:lstStyle/>
+          <a:p>
+            <a:pPr marL="0" indent="0">
+              <a:lnSpc>
+                <a:spcPct val="100000"/>
+              </a:lnSpc>
+              <a:buNone/>
+            </a:pPr>
+            <a:r>
+              <a:rPr lang="ja-JP" altLang="en-US"/>
+              <a:t>ビーコンの電波強度</a:t>
+            </a:r>
+            <a:r>
+              <a:rPr kumimoji="1" lang="ja-JP" altLang="en-US"/>
+              <a:t>をセンシング</a:t>
+            </a:r>
+            <a:endParaRPr kumimoji="1" lang="en-US" altLang="ja-JP" dirty="0"/>
           </a:p>
         </p:txBody>
       </p:sp>
@@ -7686,6 +8143,93 @@
               <a:t>8</a:t>
             </a:fld>
             <a:endParaRPr lang="en-US" altLang="ja-JP" dirty="0"/>
+          </a:p>
+        </p:txBody>
+      </p:sp>
+      <p:sp>
+        <p:nvSpPr>
+          <p:cNvPr id="6" name="テキスト ボックス 5">
+            <a:extLst>
+              <a:ext uri="{FF2B5EF4-FFF2-40B4-BE49-F238E27FC236}">
+                <a16:creationId xmlns:a16="http://schemas.microsoft.com/office/drawing/2014/main" id="{2E463FE2-C6AE-A847-850C-11302935EFAA}"/>
+              </a:ext>
+            </a:extLst>
+          </p:cNvPr>
+          <p:cNvSpPr txBox="1"/>
+          <p:nvPr/>
+        </p:nvSpPr>
+        <p:spPr>
+          <a:xfrm>
+            <a:off x="834600" y="3391487"/>
+            <a:ext cx="7160935" cy="584775"/>
+          </a:xfrm>
+          <a:prstGeom prst="rect">
+            <a:avLst/>
+          </a:prstGeom>
+          <a:solidFill>
+            <a:schemeClr val="bg1">
+              <a:lumMod val="95000"/>
+            </a:schemeClr>
+          </a:solidFill>
+          <a:ln>
+            <a:noFill/>
+          </a:ln>
+        </p:spPr>
+        <p:txBody>
+          <a:bodyPr wrap="none" rtlCol="0">
+            <a:spAutoFit/>
+          </a:bodyPr>
+          <a:lstStyle/>
+          <a:p>
+            <a:r>
+              <a:rPr lang="ja-JP" altLang="en-US" sz="3200">
+                <a:latin typeface="Meiryo" panose="020B0604030504040204" pitchFamily="34" charset="-128"/>
+                <a:ea typeface="Meiryo" panose="020B0604030504040204" pitchFamily="34" charset="-128"/>
+              </a:rPr>
+              <a:t>電波の強さからビーコンの場所を推定</a:t>
+            </a:r>
+            <a:endParaRPr lang="en-US" altLang="ja-JP" sz="3200" dirty="0">
+              <a:latin typeface="Meiryo" panose="020B0604030504040204" pitchFamily="34" charset="-128"/>
+              <a:ea typeface="Meiryo" panose="020B0604030504040204" pitchFamily="34" charset="-128"/>
+            </a:endParaRPr>
+          </a:p>
+        </p:txBody>
+      </p:sp>
+      <p:sp>
+        <p:nvSpPr>
+          <p:cNvPr id="8" name="テキスト ボックス 7">
+            <a:extLst>
+              <a:ext uri="{FF2B5EF4-FFF2-40B4-BE49-F238E27FC236}">
+                <a16:creationId xmlns:a16="http://schemas.microsoft.com/office/drawing/2014/main" id="{89A46791-EAAE-F848-4A37-A7602A0770DA}"/>
+              </a:ext>
+            </a:extLst>
+          </p:cNvPr>
+          <p:cNvSpPr txBox="1"/>
+          <p:nvPr/>
+        </p:nvSpPr>
+        <p:spPr>
+          <a:xfrm>
+            <a:off x="834600" y="5249479"/>
+            <a:ext cx="6096000" cy="584775"/>
+          </a:xfrm>
+          <a:prstGeom prst="rect">
+            <a:avLst/>
+          </a:prstGeom>
+          <a:noFill/>
+        </p:spPr>
+        <p:txBody>
+          <a:bodyPr wrap="square">
+            <a:spAutoFit/>
+          </a:bodyPr>
+          <a:lstStyle/>
+          <a:p>
+            <a:r>
+              <a:rPr lang="ja-JP" altLang="en-US" sz="3200">
+                <a:latin typeface="Meiryo" panose="020B0604030504040204" pitchFamily="34" charset="-128"/>
+                <a:ea typeface="Meiryo" panose="020B0604030504040204" pitchFamily="34" charset="-128"/>
+              </a:rPr>
+              <a:t>外出の検知と共に持ち物を推定</a:t>
+            </a:r>
           </a:p>
         </p:txBody>
       </p:sp>
